--- a/plf3_5/eXoDeveloper/210-extensions/210-extensions-en.pptx
+++ b/plf3_5/eXoDeveloper/210-extensions/210-extensions-en.pptx
@@ -49,7 +49,10 @@
     <p:sldId id="300" r:id="rId43"/>
     <p:sldId id="301" r:id="rId44"/>
     <p:sldId id="302" r:id="rId45"/>
-    <p:sldId id="290" r:id="rId46"/>
+    <p:sldId id="304" r:id="rId46"/>
+    <p:sldId id="303" r:id="rId47"/>
+    <p:sldId id="305" r:id="rId48"/>
+    <p:sldId id="290" r:id="rId49"/>
   </p:sldIdLst>
   <p:sldSz cx="9144000" cy="6858000" type="letter"/>
   <p:notesSz cx="7772400" cy="10058400"/>
@@ -8762,15 +8765,7 @@
             <a:pPr lvl="1"/>
             <a:r>
               <a:rPr lang="en-US" dirty="0" smtClean="0"/>
-              <a:t>The </a:t>
-            </a:r>
-            <a:r>
-              <a:rPr lang="en-US" dirty="0" smtClean="0"/>
-              <a:t>provided </a:t>
-            </a:r>
-            <a:r>
-              <a:rPr lang="en-US" dirty="0" smtClean="0"/>
-              <a:t>user has to have permissions for table creation.</a:t>
+              <a:t>The provided user has to have permissions for table creation.</a:t>
             </a:r>
           </a:p>
           <a:p>
@@ -9739,11 +9734,7 @@
             <a:pPr lvl="1"/>
             <a:r>
               <a:rPr lang="en-US" dirty="0" smtClean="0"/>
-              <a:t>HTML, CSS</a:t>
-            </a:r>
-            <a:r>
-              <a:rPr lang="en-US" dirty="0" smtClean="0"/>
-              <a:t>, </a:t>
+              <a:t>HTML, CSS, </a:t>
             </a:r>
             <a:r>
               <a:rPr lang="en-US" dirty="0" err="1" smtClean="0"/>
@@ -9753,7 +9744,6 @@
               <a:rPr lang="en-US" dirty="0" smtClean="0"/>
               <a:t>, JSP,</a:t>
             </a:r>
-            <a:endParaRPr lang="en-US" dirty="0" smtClean="0"/>
           </a:p>
           <a:p>
             <a:pPr lvl="1"/>
@@ -9821,7 +9811,15 @@
             <a:pPr lvl="1"/>
             <a:r>
               <a:rPr lang="en-US" dirty="0" smtClean="0"/>
-              <a:t>Declares your jar as eXo extension.</a:t>
+              <a:t>Declares your </a:t>
+            </a:r>
+            <a:r>
+              <a:rPr lang="en-US" dirty="0"/>
+              <a:t>w</a:t>
+            </a:r>
+            <a:r>
+              <a:rPr lang="en-US" dirty="0" smtClean="0"/>
+              <a:t>ar as eXo extension.</a:t>
             </a:r>
           </a:p>
         </p:txBody>
@@ -12328,11 +12326,7 @@
             </a:r>
             <a:r>
               <a:rPr lang="en-US" dirty="0" smtClean="0"/>
-              <a:t>/platform</a:t>
-            </a:r>
-            <a:r>
-              <a:rPr lang="en-US" dirty="0" smtClean="0"/>
-              <a:t>-extension</a:t>
+              <a:t>/platform-extension</a:t>
             </a:r>
           </a:p>
           <a:p>
@@ -12417,7 +12411,6 @@
               <a:rPr lang="en-US" dirty="0" smtClean="0"/>
               <a:t>Move the container around the dashboard portlet after the container of the edit portlet.</a:t>
             </a:r>
-            <a:endParaRPr lang="en-US" dirty="0" smtClean="0"/>
           </a:p>
           <a:p>
             <a:pPr lvl="1"/>
@@ -12647,15 +12640,7 @@
             </a:r>
             <a:r>
               <a:rPr lang="en-US" dirty="0" smtClean="0"/>
-              <a:t>/platform</a:t>
-            </a:r>
-            <a:r>
-              <a:rPr lang="en-US" dirty="0" smtClean="0"/>
-              <a:t>-</a:t>
-            </a:r>
-            <a:r>
-              <a:rPr lang="en-US" dirty="0" smtClean="0"/>
-              <a:t>extension\</a:t>
+              <a:t>/platform-extension\</a:t>
             </a:r>
             <a:r>
               <a:rPr lang="en-US" dirty="0"/>
@@ -12713,7 +12698,6 @@
               <a:rPr lang="en-US" dirty="0" smtClean="0"/>
               <a:t>)</a:t>
             </a:r>
-            <a:endParaRPr lang="en-US" dirty="0" smtClean="0"/>
           </a:p>
           <a:p>
             <a:pPr lvl="1"/>
@@ -12911,11 +12895,7 @@
             </a:br>
             <a:r>
               <a:rPr lang="en-US" dirty="0"/>
-              <a:t>to </a:t>
-            </a:r>
-            <a:r>
-              <a:rPr lang="en-US" dirty="0"/>
-              <a:t>exact</a:t>
+              <a:t>to exact</a:t>
             </a:r>
             <a:br>
               <a:rPr lang="en-US" dirty="0"/>
@@ -13010,6 +12990,13 @@
   <p:clrMapOvr>
     <a:masterClrMapping/>
   </p:clrMapOvr>
+  <p:timing>
+    <p:tnLst>
+      <p:par>
+        <p:cTn xmlns:p14="http://schemas.microsoft.com/office/powerpoint/2010/main" id="1" dur="indefinite" restart="never" nodeType="tmRoot"/>
+      </p:par>
+    </p:tnLst>
+  </p:timing>
 </p:sld>
 </file>
 
@@ -13156,11 +13143,7 @@
             </a:r>
             <a:r>
               <a:rPr lang="en-US" dirty="0" smtClean="0"/>
-              <a:t>folder</a:t>
-            </a:r>
-            <a:r>
-              <a:rPr lang="en-US" dirty="0" smtClean="0"/>
-              <a:t>.</a:t>
+              <a:t>folder.</a:t>
             </a:r>
           </a:p>
           <a:p>
@@ -13201,7 +13184,6 @@
               <a:rPr lang="en-US" dirty="0" smtClean="0"/>
               <a:t>/ folder</a:t>
             </a:r>
-            <a:endParaRPr lang="en-US" dirty="0" smtClean="0"/>
           </a:p>
           <a:p>
             <a:pPr marL="0" indent="0">
@@ -13243,7 +13225,6 @@
               <a:rPr lang="en-US" dirty="0" smtClean="0"/>
               <a:t>/)</a:t>
             </a:r>
-            <a:endParaRPr lang="en-US" dirty="0" smtClean="0"/>
           </a:p>
           <a:p>
             <a:pPr lvl="1"/>
@@ -13549,7 +13530,7 @@
           <a:p>
             <a:r>
               <a:rPr lang="en-US" dirty="0" smtClean="0"/>
-              <a:t>SOA Keywords</a:t>
+              <a:t>Service Keywords</a:t>
             </a:r>
             <a:endParaRPr lang="en-US" dirty="0"/>
           </a:p>
@@ -13572,7 +13553,7 @@
           <a:p>
             <a:r>
               <a:rPr lang="en-US" dirty="0" smtClean="0"/>
-              <a:t>Service Oriented Architecture</a:t>
+              <a:t>Inversion of Control</a:t>
             </a:r>
           </a:p>
           <a:p>
@@ -13658,7 +13639,7 @@
             <a:pPr lvl="1"/>
             <a:r>
               <a:rPr lang="en-US" dirty="0" smtClean="0"/>
-              <a:t> Does not create an instance (… new </a:t>
+              <a:t>Does not create an instance (… new </a:t>
             </a:r>
             <a:r>
               <a:rPr lang="en-US" dirty="0" err="1" smtClean="0"/>
@@ -14741,7 +14722,9 @@
           </a:prstGeom>
           <a:ln>
             <a:solidFill>
-              <a:srgbClr val="DDDDDD"/>
+              <a:schemeClr val="bg2">
+                <a:lumMod val="75000"/>
+              </a:schemeClr>
             </a:solidFill>
           </a:ln>
         </p:spPr>
@@ -14857,6 +14840,13 @@
           <a:prstGeom prst="rect">
             <a:avLst/>
           </a:prstGeom>
+          <a:ln>
+            <a:solidFill>
+              <a:schemeClr val="bg2">
+                <a:lumMod val="75000"/>
+              </a:schemeClr>
+            </a:solidFill>
+          </a:ln>
         </p:spPr>
       </p:pic>
     </p:spTree>
@@ -15248,6 +15238,357 @@
 </file>
 
 <file path=ppt/slides/slide45.xml><?xml version="1.0" encoding="utf-8"?>
+<p:sld xmlns:a="http://schemas.openxmlformats.org/drawingml/2006/main" xmlns:r="http://schemas.openxmlformats.org/officeDocument/2006/relationships" xmlns:p="http://schemas.openxmlformats.org/presentationml/2006/main">
+  <p:cSld>
+    <p:spTree>
+      <p:nvGrpSpPr>
+        <p:cNvPr id="1" name=""/>
+        <p:cNvGrpSpPr/>
+        <p:nvPr/>
+      </p:nvGrpSpPr>
+      <p:grpSpPr>
+        <a:xfrm>
+          <a:off x="0" y="0"/>
+          <a:ext cx="0" cy="0"/>
+          <a:chOff x="0" y="0"/>
+          <a:chExt cx="0" cy="0"/>
+        </a:xfrm>
+      </p:grpSpPr>
+      <p:sp>
+        <p:nvSpPr>
+          <p:cNvPr id="2" name="Espace réservé du texte 1"/>
+          <p:cNvSpPr>
+            <a:spLocks noGrp="1"/>
+          </p:cNvSpPr>
+          <p:nvPr>
+            <p:ph type="body" sz="quarter" idx="10"/>
+          </p:nvPr>
+        </p:nvSpPr>
+        <p:spPr/>
+        <p:txBody>
+          <a:bodyPr/>
+          <a:lstStyle/>
+          <a:p>
+            <a:r>
+              <a:rPr lang="en-US" dirty="0" smtClean="0"/>
+              <a:t>Configuration Profiles</a:t>
+            </a:r>
+            <a:endParaRPr lang="en-US" dirty="0"/>
+          </a:p>
+        </p:txBody>
+      </p:sp>
+      <p:sp>
+        <p:nvSpPr>
+          <p:cNvPr id="3" name="Espace réservé du texte 2"/>
+          <p:cNvSpPr>
+            <a:spLocks noGrp="1"/>
+          </p:cNvSpPr>
+          <p:nvPr>
+            <p:ph type="body" sz="quarter" idx="11"/>
+          </p:nvPr>
+        </p:nvSpPr>
+        <p:spPr/>
+        <p:txBody>
+          <a:bodyPr/>
+          <a:lstStyle/>
+          <a:p>
+            <a:endParaRPr lang="en-US"/>
+          </a:p>
+        </p:txBody>
+      </p:sp>
+    </p:spTree>
+    <p:extLst>
+      <p:ext uri="{BB962C8B-B14F-4D97-AF65-F5344CB8AC3E}">
+        <p14:creationId xmlns:p14="http://schemas.microsoft.com/office/powerpoint/2010/main" val="394385131"/>
+      </p:ext>
+    </p:extLst>
+  </p:cSld>
+  <p:clrMapOvr>
+    <a:masterClrMapping/>
+  </p:clrMapOvr>
+</p:sld>
+</file>
+
+<file path=ppt/slides/slide46.xml><?xml version="1.0" encoding="utf-8"?>
+<p:sld xmlns:a="http://schemas.openxmlformats.org/drawingml/2006/main" xmlns:r="http://schemas.openxmlformats.org/officeDocument/2006/relationships" xmlns:p="http://schemas.openxmlformats.org/presentationml/2006/main">
+  <p:cSld>
+    <p:spTree>
+      <p:nvGrpSpPr>
+        <p:cNvPr id="1" name=""/>
+        <p:cNvGrpSpPr/>
+        <p:nvPr/>
+      </p:nvGrpSpPr>
+      <p:grpSpPr>
+        <a:xfrm>
+          <a:off x="0" y="0"/>
+          <a:ext cx="0" cy="0"/>
+          <a:chOff x="0" y="0"/>
+          <a:chExt cx="0" cy="0"/>
+        </a:xfrm>
+      </p:grpSpPr>
+      <p:sp>
+        <p:nvSpPr>
+          <p:cNvPr id="2" name="Titre 1"/>
+          <p:cNvSpPr>
+            <a:spLocks noGrp="1"/>
+          </p:cNvSpPr>
+          <p:nvPr>
+            <p:ph type="title"/>
+          </p:nvPr>
+        </p:nvSpPr>
+        <p:spPr/>
+        <p:txBody>
+          <a:bodyPr/>
+          <a:lstStyle/>
+          <a:p>
+            <a:r>
+              <a:rPr lang="en-US" dirty="0" smtClean="0"/>
+              <a:t>Configuration Profiles</a:t>
+            </a:r>
+            <a:endParaRPr lang="en-US" dirty="0"/>
+          </a:p>
+        </p:txBody>
+      </p:sp>
+      <p:sp>
+        <p:nvSpPr>
+          <p:cNvPr id="3" name="Espace réservé du contenu 2"/>
+          <p:cNvSpPr>
+            <a:spLocks noGrp="1"/>
+          </p:cNvSpPr>
+          <p:nvPr>
+            <p:ph idx="1"/>
+          </p:nvPr>
+        </p:nvSpPr>
+        <p:spPr/>
+        <p:txBody>
+          <a:bodyPr/>
+          <a:lstStyle/>
+          <a:p>
+            <a:r>
+              <a:rPr lang="en-US" dirty="0" smtClean="0"/>
+              <a:t>Each profile activates certain configurations.</a:t>
+            </a:r>
+          </a:p>
+          <a:p>
+            <a:r>
+              <a:rPr lang="en-US" dirty="0" smtClean="0"/>
+              <a:t>Java System Variable </a:t>
+            </a:r>
+            <a:r>
+              <a:rPr lang="en-US" dirty="0" err="1" smtClean="0"/>
+              <a:t>exo.profiles</a:t>
+            </a:r>
+            <a:endParaRPr lang="en-US" dirty="0" smtClean="0"/>
+          </a:p>
+          <a:p>
+            <a:r>
+              <a:rPr lang="en-US" dirty="0" smtClean="0"/>
+              <a:t>Example in </a:t>
+            </a:r>
+            <a:r>
+              <a:rPr lang="en-US" dirty="0" err="1" smtClean="0"/>
+              <a:t>start_eXo.sh</a:t>
+            </a:r>
+            <a:r>
+              <a:rPr lang="en-US" dirty="0" smtClean="0"/>
+              <a:t>:</a:t>
+            </a:r>
+          </a:p>
+          <a:p>
+            <a:endParaRPr lang="en-US" dirty="0"/>
+          </a:p>
+          <a:p>
+            <a:endParaRPr lang="en-US" dirty="0" smtClean="0"/>
+          </a:p>
+          <a:p>
+            <a:endParaRPr lang="en-US" dirty="0"/>
+          </a:p>
+          <a:p>
+            <a:endParaRPr lang="en-US" dirty="0" smtClean="0"/>
+          </a:p>
+          <a:p>
+            <a:endParaRPr lang="en-US" dirty="0"/>
+          </a:p>
+          <a:p>
+            <a:endParaRPr lang="en-US" dirty="0" smtClean="0"/>
+          </a:p>
+          <a:p>
+            <a:endParaRPr lang="en-US" dirty="0" smtClean="0"/>
+          </a:p>
+          <a:p>
+            <a:r>
+              <a:rPr lang="en-US" dirty="0"/>
+              <a:t>Several profiles can be activated at the same time using a comma.</a:t>
+            </a:r>
+          </a:p>
+          <a:p>
+            <a:endParaRPr lang="en-US" dirty="0"/>
+          </a:p>
+        </p:txBody>
+      </p:sp>
+      <p:pic>
+        <p:nvPicPr>
+          <p:cNvPr id="4" name="Image 3"/>
+          <p:cNvPicPr>
+            <a:picLocks noChangeAspect="1"/>
+          </p:cNvPicPr>
+          <p:nvPr/>
+        </p:nvPicPr>
+        <p:blipFill>
+          <a:blip r:embed="rId2"/>
+          <a:stretch>
+            <a:fillRect/>
+          </a:stretch>
+        </p:blipFill>
+        <p:spPr>
+          <a:xfrm>
+            <a:off x="915421" y="2306601"/>
+            <a:ext cx="5921390" cy="1843786"/>
+          </a:xfrm>
+          <a:prstGeom prst="rect">
+            <a:avLst/>
+          </a:prstGeom>
+          <a:ln>
+            <a:solidFill>
+              <a:srgbClr val="BABABA"/>
+            </a:solidFill>
+          </a:ln>
+        </p:spPr>
+      </p:pic>
+    </p:spTree>
+    <p:extLst>
+      <p:ext uri="{BB962C8B-B14F-4D97-AF65-F5344CB8AC3E}">
+        <p14:creationId xmlns:p14="http://schemas.microsoft.com/office/powerpoint/2010/main" val="1380467289"/>
+      </p:ext>
+    </p:extLst>
+  </p:cSld>
+  <p:clrMapOvr>
+    <a:masterClrMapping/>
+  </p:clrMapOvr>
+</p:sld>
+</file>
+
+<file path=ppt/slides/slide47.xml><?xml version="1.0" encoding="utf-8"?>
+<p:sld xmlns:a="http://schemas.openxmlformats.org/drawingml/2006/main" xmlns:r="http://schemas.openxmlformats.org/officeDocument/2006/relationships" xmlns:p="http://schemas.openxmlformats.org/presentationml/2006/main">
+  <p:cSld>
+    <p:spTree>
+      <p:nvGrpSpPr>
+        <p:cNvPr id="1" name=""/>
+        <p:cNvGrpSpPr/>
+        <p:nvPr/>
+      </p:nvGrpSpPr>
+      <p:grpSpPr>
+        <a:xfrm>
+          <a:off x="0" y="0"/>
+          <a:ext cx="0" cy="0"/>
+          <a:chOff x="0" y="0"/>
+          <a:chExt cx="0" cy="0"/>
+        </a:xfrm>
+      </p:grpSpPr>
+      <p:sp>
+        <p:nvSpPr>
+          <p:cNvPr id="2" name="Titre 1"/>
+          <p:cNvSpPr>
+            <a:spLocks noGrp="1"/>
+          </p:cNvSpPr>
+          <p:nvPr>
+            <p:ph type="title"/>
+          </p:nvPr>
+        </p:nvSpPr>
+        <p:spPr/>
+        <p:txBody>
+          <a:bodyPr/>
+          <a:lstStyle/>
+          <a:p>
+            <a:r>
+              <a:rPr lang="en-US" dirty="0" smtClean="0"/>
+              <a:t>Configuration Profiles</a:t>
+            </a:r>
+            <a:endParaRPr lang="en-US" dirty="0"/>
+          </a:p>
+        </p:txBody>
+      </p:sp>
+      <p:sp>
+        <p:nvSpPr>
+          <p:cNvPr id="3" name="Espace réservé du contenu 2"/>
+          <p:cNvSpPr>
+            <a:spLocks noGrp="1"/>
+          </p:cNvSpPr>
+          <p:nvPr>
+            <p:ph idx="1"/>
+          </p:nvPr>
+        </p:nvSpPr>
+        <p:spPr/>
+        <p:txBody>
+          <a:bodyPr/>
+          <a:lstStyle/>
+          <a:p>
+            <a:r>
+              <a:rPr lang="en-US" dirty="0" smtClean="0"/>
+              <a:t>Any part of the configuration can be added to a profile.</a:t>
+            </a:r>
+          </a:p>
+          <a:p>
+            <a:r>
+              <a:rPr lang="en-US" dirty="0" smtClean="0"/>
+              <a:t>Profile-dependent configuration is only taken into account if the profile is used.</a:t>
+            </a:r>
+          </a:p>
+          <a:p>
+            <a:r>
+              <a:rPr lang="en-US" dirty="0" smtClean="0"/>
+              <a:t>A profile can depend on a list of profiles. In this case, the use of any profile activates the configuration.</a:t>
+            </a:r>
+            <a:endParaRPr lang="en-US" dirty="0"/>
+          </a:p>
+          <a:p>
+            <a:endParaRPr lang="en-US" dirty="0"/>
+          </a:p>
+        </p:txBody>
+      </p:sp>
+      <p:pic>
+        <p:nvPicPr>
+          <p:cNvPr id="4" name="Image 3"/>
+          <p:cNvPicPr>
+            <a:picLocks noChangeAspect="1"/>
+          </p:cNvPicPr>
+          <p:nvPr/>
+        </p:nvPicPr>
+        <p:blipFill>
+          <a:blip r:embed="rId2"/>
+          <a:stretch>
+            <a:fillRect/>
+          </a:stretch>
+        </p:blipFill>
+        <p:spPr>
+          <a:xfrm>
+            <a:off x="457200" y="2933700"/>
+            <a:ext cx="8229600" cy="1247400"/>
+          </a:xfrm>
+          <a:prstGeom prst="rect">
+            <a:avLst/>
+          </a:prstGeom>
+          <a:ln>
+            <a:solidFill>
+              <a:srgbClr val="BABABA"/>
+            </a:solidFill>
+          </a:ln>
+        </p:spPr>
+      </p:pic>
+    </p:spTree>
+    <p:extLst>
+      <p:ext uri="{BB962C8B-B14F-4D97-AF65-F5344CB8AC3E}">
+        <p14:creationId xmlns:p14="http://schemas.microsoft.com/office/powerpoint/2010/main" val="1799183938"/>
+      </p:ext>
+    </p:extLst>
+  </p:cSld>
+  <p:clrMapOvr>
+    <a:masterClrMapping/>
+  </p:clrMapOvr>
+</p:sld>
+</file>
+
+<file path=ppt/slides/slide48.xml><?xml version="1.0" encoding="utf-8"?>
 <p:sld xmlns:a="http://schemas.openxmlformats.org/drawingml/2006/main" xmlns:r="http://schemas.openxmlformats.org/officeDocument/2006/relationships" xmlns:p="http://schemas.openxmlformats.org/presentationml/2006/main">
   <p:cSld>
     <p:spTree>
@@ -15887,7 +16228,7 @@
             </a:pPr>
             <a:r>
               <a:rPr lang="en-US" dirty="0" smtClean="0"/>
-              <a:t>Java Transaction </a:t>
+              <a:t>Java Transaction API</a:t>
             </a:r>
             <a:endParaRPr lang="en-US" dirty="0"/>
           </a:p>
